--- a/preliminary/Introduction to KeyStone Software ECO.pptx
+++ b/preliminary/Introduction to KeyStone Software ECO.pptx
@@ -209,6 +209,7 @@
           <a:p>
             <a:fld id="{69317A74-A311-45B3-846C-A32F769EEF76}" type="datetimeFigureOut">
               <a:rPr lang="en-US" smtClean="0"/>
+              <a:pPr/>
               <a:t>5/7/2012</a:t>
             </a:fld>
             <a:endParaRPr lang="en-US" dirty="0"/>
@@ -370,6 +371,7 @@
           <a:p>
             <a:fld id="{AAC4AC5C-14A6-49C1-B6E7-939950808A2C}" type="slidenum">
               <a:rPr lang="en-US" smtClean="0"/>
+              <a:pPr/>
               <a:t>‹#›</a:t>
             </a:fld>
             <a:endParaRPr lang="en-US" dirty="0"/>
@@ -4763,7 +4765,6 @@
               <a:rPr lang="en-US" dirty="0" smtClean="0"/>
               <a:t>MCSDK Software Layers</a:t>
             </a:r>
-            <a:endParaRPr lang="en-US" dirty="0" smtClean="0"/>
           </a:p>
         </p:txBody>
       </p:sp>
@@ -8667,11 +8668,7 @@
             </a:r>
             <a:r>
               <a:rPr lang="en-US" dirty="0" smtClean="0"/>
-              <a:t> </a:t>
-            </a:r>
-            <a:r>
-              <a:rPr lang="en-US" dirty="0" smtClean="0"/>
-              <a:t>Communication (IPC)</a:t>
+              <a:t> Communication (IPC)</a:t>
             </a:r>
           </a:p>
         </p:txBody>
@@ -11173,17 +11170,8 @@
           <a:p>
             <a:r>
               <a:rPr lang="en-US" sz="3600" dirty="0" smtClean="0"/>
-              <a:t>Examples </a:t>
+              <a:t>Examples - Easy migration of Application</a:t>
             </a:r>
-            <a:r>
-              <a:rPr lang="en-US" sz="3600" dirty="0" smtClean="0"/>
-              <a:t>- Easy </a:t>
-            </a:r>
-            <a:r>
-              <a:rPr lang="en-US" sz="3600" dirty="0" smtClean="0"/>
-              <a:t>migration of Application</a:t>
-            </a:r>
-            <a:endParaRPr lang="en-US" sz="3600" dirty="0" smtClean="0"/>
           </a:p>
         </p:txBody>
       </p:sp>
@@ -15821,7 +15809,6 @@
               <a:rPr lang="en-US" dirty="0" smtClean="0"/>
               <a:t>, pdk </a:t>
             </a:r>
-            <a:endParaRPr lang="en-US" dirty="0" smtClean="0"/>
           </a:p>
         </p:txBody>
       </p:sp>
@@ -17551,16 +17538,16 @@
             <a:pPr lvl="1"/>
             <a:r>
               <a:rPr lang="en-US" dirty="0" smtClean="0"/>
-              <a:t>MCSDK</a:t>
+              <a:t>Multicores ECO system</a:t>
             </a:r>
           </a:p>
           <a:p>
             <a:pPr lvl="1"/>
             <a:r>
               <a:rPr lang="en-US" dirty="0" smtClean="0"/>
-              <a:t>Multicores ECO system</a:t>
+              <a:t>MCSDK</a:t>
             </a:r>
-            <a:endParaRPr lang="en-US" dirty="0"/>
+            <a:endParaRPr lang="en-US" dirty="0" smtClean="0"/>
           </a:p>
         </p:txBody>
       </p:sp>
@@ -20158,11 +20145,7 @@
           <a:p>
             <a:r>
               <a:rPr lang="en-US" sz="2400" dirty="0" smtClean="0"/>
-              <a:t>Easy and efficient software to communicate between </a:t>
-            </a:r>
-            <a:r>
-              <a:rPr lang="en-US" sz="2400" dirty="0" smtClean="0"/>
-              <a:t>cores and facilitate co-operation between cores and between peripherals and cores</a:t>
+              <a:t>Easy and efficient software to communicate between cores and facilitate co-operation between cores and between peripherals and cores</a:t>
             </a:r>
           </a:p>
           <a:p>
@@ -20387,17 +20370,8 @@
           <a:p>
             <a:r>
               <a:rPr lang="en-US" sz="2400" dirty="0" smtClean="0"/>
-              <a:t>MCSDK makes it easy to port new application into standard target, port software from standard target to </a:t>
+              <a:t>MCSDK makes it easy to port new application into standard target, port software from standard target to customer’s target, and porting application to the next generation hardware</a:t>
             </a:r>
-            <a:r>
-              <a:rPr lang="en-US" sz="2400" dirty="0" smtClean="0"/>
-              <a:t>cus</a:t>
-            </a:r>
-            <a:r>
-              <a:rPr lang="en-US" sz="2400" dirty="0" smtClean="0"/>
-              <a:t>tomer’s target, and porting application to the next generation hardware</a:t>
-            </a:r>
-            <a:endParaRPr lang="en-US" sz="2400" dirty="0" smtClean="0"/>
           </a:p>
           <a:p>
             <a:r>

--- a/preliminary/Introduction to KeyStone Software ECO.pptx
+++ b/preliminary/Introduction to KeyStone Software ECO.pptx
@@ -5,7 +5,7 @@
     <p:sldMasterId id="2147483648" r:id="rId1"/>
   </p:sldMasterIdLst>
   <p:notesMasterIdLst>
-    <p:notesMasterId r:id="rId20"/>
+    <p:notesMasterId r:id="rId19"/>
   </p:notesMasterIdLst>
   <p:sldIdLst>
     <p:sldId id="256" r:id="rId2"/>
@@ -24,8 +24,7 @@
     <p:sldId id="274" r:id="rId15"/>
     <p:sldId id="271" r:id="rId16"/>
     <p:sldId id="273" r:id="rId17"/>
-    <p:sldId id="276" r:id="rId18"/>
-    <p:sldId id="277" r:id="rId19"/>
+    <p:sldId id="279" r:id="rId18"/>
   </p:sldIdLst>
   <p:sldSz cx="9144000" cy="6858000" type="screen4x3"/>
   <p:notesSz cx="7010400" cy="9296400"/>
@@ -210,7 +209,7 @@
             <a:fld id="{69317A74-A311-45B3-846C-A32F769EEF76}" type="datetimeFigureOut">
               <a:rPr lang="en-US" smtClean="0"/>
               <a:pPr/>
-              <a:t>5/7/2012</a:t>
+              <a:t>5/8/2012</a:t>
             </a:fld>
             <a:endParaRPr lang="en-US" dirty="0"/>
           </a:p>
@@ -1041,33 +1040,7 @@
       </p:grpSpPr>
       <p:sp>
         <p:nvSpPr>
-          <p:cNvPr id="26625" name="Rectangle 7"/>
-          <p:cNvSpPr>
-            <a:spLocks noGrp="1" noChangeArrowheads="1"/>
-          </p:cNvSpPr>
-          <p:nvPr>
-            <p:ph type="sldNum" sz="quarter" idx="5"/>
-          </p:nvPr>
-        </p:nvSpPr>
-        <p:spPr>
-          <a:noFill/>
-        </p:spPr>
-        <p:txBody>
-          <a:bodyPr/>
-          <a:lstStyle/>
-          <a:p>
-            <a:fld id="{10859D0C-0EEB-4EDE-A8B8-7A1A456A6F20}" type="slidenum">
-              <a:rPr lang="en-US" smtClean="0"/>
-              <a:pPr/>
-              <a:t>17</a:t>
-            </a:fld>
-            <a:endParaRPr lang="en-US" smtClean="0"/>
-          </a:p>
-        </p:txBody>
-      </p:sp>
-      <p:sp>
-        <p:nvSpPr>
-          <p:cNvPr id="26626" name="Rectangle 2"/>
+          <p:cNvPr id="92162" name="Rectangle 2"/>
           <p:cNvSpPr>
             <a:spLocks noGrp="1" noRot="1" noChangeAspect="1" noChangeArrowheads="1" noTextEdit="1"/>
           </p:cNvSpPr>
@@ -1075,21 +1048,13 @@
             <p:ph type="sldImg"/>
           </p:nvPr>
         </p:nvSpPr>
-        <p:spPr bwMode="auto">
-          <a:noFill/>
-          <a:ln>
-            <a:solidFill>
-              <a:srgbClr val="000000"/>
-            </a:solidFill>
-            <a:miter lim="800000"/>
-            <a:headEnd/>
-            <a:tailEnd/>
-          </a:ln>
+        <p:spPr>
+          <a:ln/>
         </p:spPr>
       </p:sp>
       <p:sp>
         <p:nvSpPr>
-          <p:cNvPr id="26627" name="Rectangle 3"/>
+          <p:cNvPr id="92163" name="Rectangle 3"/>
           <p:cNvSpPr>
             <a:spLocks noGrp="1" noChangeArrowheads="1"/>
           </p:cNvSpPr>
@@ -1105,112 +1070,10 @@
           <a:bodyPr/>
           <a:lstStyle/>
           <a:p>
-            <a:pPr eaLnBrk="1" hangingPunct="1">
-              <a:spcBef>
-                <a:spcPct val="0"/>
-              </a:spcBef>
-            </a:pPr>
-            <a:endParaRPr lang="en-US" smtClean="0"/>
-          </a:p>
-        </p:txBody>
-      </p:sp>
-    </p:spTree>
-  </p:cSld>
-  <p:clrMapOvr>
-    <a:masterClrMapping/>
-  </p:clrMapOvr>
-</p:notes>
-</file>
-
-<file path=ppt/notesSlides/notesSlide8.xml><?xml version="1.0" encoding="utf-8"?>
-<p:notes xmlns:a="http://schemas.openxmlformats.org/drawingml/2006/main" xmlns:r="http://schemas.openxmlformats.org/officeDocument/2006/relationships" xmlns:p="http://schemas.openxmlformats.org/presentationml/2006/main">
-  <p:cSld>
-    <p:spTree>
-      <p:nvGrpSpPr>
-        <p:cNvPr id="1" name=""/>
-        <p:cNvGrpSpPr/>
-        <p:nvPr/>
-      </p:nvGrpSpPr>
-      <p:grpSpPr>
-        <a:xfrm>
-          <a:off x="0" y="0"/>
-          <a:ext cx="0" cy="0"/>
-          <a:chOff x="0" y="0"/>
-          <a:chExt cx="0" cy="0"/>
-        </a:xfrm>
-      </p:grpSpPr>
-      <p:sp>
-        <p:nvSpPr>
-          <p:cNvPr id="26625" name="Rectangle 7"/>
-          <p:cNvSpPr>
-            <a:spLocks noGrp="1" noChangeArrowheads="1"/>
-          </p:cNvSpPr>
-          <p:nvPr>
-            <p:ph type="sldNum" sz="quarter" idx="5"/>
-          </p:nvPr>
-        </p:nvSpPr>
-        <p:spPr>
-          <a:noFill/>
-        </p:spPr>
-        <p:txBody>
-          <a:bodyPr/>
-          <a:lstStyle/>
-          <a:p>
-            <a:fld id="{10859D0C-0EEB-4EDE-A8B8-7A1A456A6F20}" type="slidenum">
+            <a:r>
               <a:rPr lang="en-US" smtClean="0"/>
-              <a:pPr/>
-              <a:t>18</a:t>
-            </a:fld>
-            <a:endParaRPr lang="en-US" smtClean="0"/>
-          </a:p>
-        </p:txBody>
-      </p:sp>
-      <p:sp>
-        <p:nvSpPr>
-          <p:cNvPr id="26626" name="Rectangle 2"/>
-          <p:cNvSpPr>
-            <a:spLocks noGrp="1" noRot="1" noChangeAspect="1" noChangeArrowheads="1" noTextEdit="1"/>
-          </p:cNvSpPr>
-          <p:nvPr>
-            <p:ph type="sldImg"/>
-          </p:nvPr>
-        </p:nvSpPr>
-        <p:spPr bwMode="auto">
-          <a:noFill/>
-          <a:ln>
-            <a:solidFill>
-              <a:srgbClr val="000000"/>
-            </a:solidFill>
-            <a:miter lim="800000"/>
-            <a:headEnd/>
-            <a:tailEnd/>
-          </a:ln>
-        </p:spPr>
-      </p:sp>
-      <p:sp>
-        <p:nvSpPr>
-          <p:cNvPr id="26627" name="Rectangle 3"/>
-          <p:cNvSpPr>
-            <a:spLocks noGrp="1" noChangeArrowheads="1"/>
-          </p:cNvSpPr>
-          <p:nvPr>
-            <p:ph type="body" idx="1"/>
-          </p:nvPr>
-        </p:nvSpPr>
-        <p:spPr>
-          <a:noFill/>
-          <a:ln/>
-        </p:spPr>
-        <p:txBody>
-          <a:bodyPr/>
-          <a:lstStyle/>
-          <a:p>
-            <a:pPr eaLnBrk="1" hangingPunct="1">
-              <a:spcBef>
-                <a:spcPct val="0"/>
-              </a:spcBef>
-            </a:pPr>
-            <a:endParaRPr lang="en-US" smtClean="0"/>
+              <a:t>Thank you for completing the network coprocessor – packet accelerator keystone training. For more information about the packet accelerator, please see the resources referenced on this slide.</a:t>
+            </a:r>
           </a:p>
         </p:txBody>
       </p:sp>
@@ -1404,7 +1267,7 @@
             <a:fld id="{2B63F847-ABB1-491B-B618-C957B4B30F17}" type="datetimeFigureOut">
               <a:rPr lang="en-US" smtClean="0"/>
               <a:pPr/>
-              <a:t>5/7/2012</a:t>
+              <a:t>5/8/2012</a:t>
             </a:fld>
             <a:endParaRPr lang="en-US" dirty="0"/>
           </a:p>
@@ -1571,7 +1434,7 @@
             <a:fld id="{2B63F847-ABB1-491B-B618-C957B4B30F17}" type="datetimeFigureOut">
               <a:rPr lang="en-US" smtClean="0"/>
               <a:pPr/>
-              <a:t>5/7/2012</a:t>
+              <a:t>5/8/2012</a:t>
             </a:fld>
             <a:endParaRPr lang="en-US" dirty="0"/>
           </a:p>
@@ -1748,7 +1611,7 @@
             <a:fld id="{2B63F847-ABB1-491B-B618-C957B4B30F17}" type="datetimeFigureOut">
               <a:rPr lang="en-US" smtClean="0"/>
               <a:pPr/>
-              <a:t>5/7/2012</a:t>
+              <a:t>5/8/2012</a:t>
             </a:fld>
             <a:endParaRPr lang="en-US" dirty="0"/>
           </a:p>
@@ -1915,7 +1778,7 @@
             <a:fld id="{2B63F847-ABB1-491B-B618-C957B4B30F17}" type="datetimeFigureOut">
               <a:rPr lang="en-US" smtClean="0"/>
               <a:pPr/>
-              <a:t>5/7/2012</a:t>
+              <a:t>5/8/2012</a:t>
             </a:fld>
             <a:endParaRPr lang="en-US" dirty="0"/>
           </a:p>
@@ -2158,7 +2021,7 @@
             <a:fld id="{2B63F847-ABB1-491B-B618-C957B4B30F17}" type="datetimeFigureOut">
               <a:rPr lang="en-US" smtClean="0"/>
               <a:pPr/>
-              <a:t>5/7/2012</a:t>
+              <a:t>5/8/2012</a:t>
             </a:fld>
             <a:endParaRPr lang="en-US" dirty="0"/>
           </a:p>
@@ -2443,7 +2306,7 @@
             <a:fld id="{2B63F847-ABB1-491B-B618-C957B4B30F17}" type="datetimeFigureOut">
               <a:rPr lang="en-US" smtClean="0"/>
               <a:pPr/>
-              <a:t>5/7/2012</a:t>
+              <a:t>5/8/2012</a:t>
             </a:fld>
             <a:endParaRPr lang="en-US" dirty="0"/>
           </a:p>
@@ -2862,7 +2725,7 @@
             <a:fld id="{2B63F847-ABB1-491B-B618-C957B4B30F17}" type="datetimeFigureOut">
               <a:rPr lang="en-US" smtClean="0"/>
               <a:pPr/>
-              <a:t>5/7/2012</a:t>
+              <a:t>5/8/2012</a:t>
             </a:fld>
             <a:endParaRPr lang="en-US" dirty="0"/>
           </a:p>
@@ -2977,7 +2840,7 @@
             <a:fld id="{2B63F847-ABB1-491B-B618-C957B4B30F17}" type="datetimeFigureOut">
               <a:rPr lang="en-US" smtClean="0"/>
               <a:pPr/>
-              <a:t>5/7/2012</a:t>
+              <a:t>5/8/2012</a:t>
             </a:fld>
             <a:endParaRPr lang="en-US" dirty="0"/>
           </a:p>
@@ -3069,7 +2932,7 @@
             <a:fld id="{2B63F847-ABB1-491B-B618-C957B4B30F17}" type="datetimeFigureOut">
               <a:rPr lang="en-US" smtClean="0"/>
               <a:pPr/>
-              <a:t>5/7/2012</a:t>
+              <a:t>5/8/2012</a:t>
             </a:fld>
             <a:endParaRPr lang="en-US" dirty="0"/>
           </a:p>
@@ -3343,7 +3206,7 @@
             <a:fld id="{2B63F847-ABB1-491B-B618-C957B4B30F17}" type="datetimeFigureOut">
               <a:rPr lang="en-US" smtClean="0"/>
               <a:pPr/>
-              <a:t>5/7/2012</a:t>
+              <a:t>5/8/2012</a:t>
             </a:fld>
             <a:endParaRPr lang="en-US" dirty="0"/>
           </a:p>
@@ -3593,7 +3456,7 @@
             <a:fld id="{2B63F847-ABB1-491B-B618-C957B4B30F17}" type="datetimeFigureOut">
               <a:rPr lang="en-US" smtClean="0"/>
               <a:pPr/>
-              <a:t>5/7/2012</a:t>
+              <a:t>5/8/2012</a:t>
             </a:fld>
             <a:endParaRPr lang="en-US" dirty="0"/>
           </a:p>
@@ -3803,7 +3666,7 @@
             <a:fld id="{2B63F847-ABB1-491B-B618-C957B4B30F17}" type="datetimeFigureOut">
               <a:rPr lang="en-US" smtClean="0"/>
               <a:pPr/>
-              <a:t>5/7/2012</a:t>
+              <a:t>5/8/2012</a:t>
             </a:fld>
             <a:endParaRPr lang="en-US" dirty="0"/>
           </a:p>
@@ -4198,7 +4061,11 @@
           <a:p>
             <a:r>
               <a:rPr lang="en-US" sz="3600" dirty="0" smtClean="0"/>
-              <a:t>Introduction to KeyStone Software ECO</a:t>
+              <a:t>Introduction to KeyStone Software </a:t>
+            </a:r>
+            <a:r>
+              <a:rPr lang="en-US" sz="3600" dirty="0" smtClean="0"/>
+              <a:t>Ecosystem</a:t>
             </a:r>
             <a:endParaRPr lang="en-US" sz="3600" dirty="0"/>
           </a:p>
@@ -4485,6 +4352,13 @@
   <p:clrMapOvr>
     <a:masterClrMapping/>
   </p:clrMapOvr>
+  <p:timing>
+    <p:tnLst>
+      <p:par>
+        <p:cTn id="1" dur="indefinite" restart="never" nodeType="tmRoot"/>
+      </p:par>
+    </p:tnLst>
+  </p:timing>
 </p:sld>
 </file>
 
@@ -4718,6 +4592,13 @@
   <p:clrMapOvr>
     <a:masterClrMapping/>
   </p:clrMapOvr>
+  <p:timing>
+    <p:tnLst>
+      <p:par>
+        <p:cTn id="1" dur="indefinite" restart="never" nodeType="tmRoot"/>
+      </p:par>
+    </p:tnLst>
+  </p:timing>
 </p:sld>
 </file>
 
@@ -7353,6 +7234,13 @@
   <p:clrMapOvr>
     <a:masterClrMapping/>
   </p:clrMapOvr>
+  <p:timing>
+    <p:tnLst>
+      <p:par>
+        <p:cTn id="1" dur="indefinite" restart="never" nodeType="tmRoot"/>
+      </p:par>
+    </p:tnLst>
+  </p:timing>
 </p:sld>
 </file>
 
@@ -15788,276 +15676,105 @@
             <p:ph type="title"/>
           </p:nvPr>
         </p:nvSpPr>
-        <p:spPr>
-          <a:xfrm>
-            <a:off x="152400" y="76200"/>
-            <a:ext cx="7467600" cy="609600"/>
-          </a:xfrm>
-        </p:spPr>
+        <p:spPr/>
         <p:txBody>
           <a:bodyPr>
             <a:normAutofit fontScale="90000"/>
           </a:bodyPr>
           <a:lstStyle/>
           <a:p>
-            <a:pPr algn="l" eaLnBrk="1" hangingPunct="1"/>
+            <a:pPr eaLnBrk="1" hangingPunct="1"/>
             <a:r>
               <a:rPr lang="en-US" sz="3600" dirty="0" smtClean="0"/>
-              <a:t>Directory Structure MCSDK</a:t>
-            </a:r>
-            <a:r>
-              <a:rPr lang="en-US" dirty="0" smtClean="0"/>
-              <a:t>, pdk </a:t>
-            </a:r>
-          </a:p>
-        </p:txBody>
-      </p:sp>
-      <p:pic>
-        <p:nvPicPr>
-          <p:cNvPr id="13" name="Picture 3"/>
-          <p:cNvPicPr>
-            <a:picLocks noChangeAspect="1" noChangeArrowheads="1"/>
-          </p:cNvPicPr>
-          <p:nvPr>
-            <p:custDataLst>
-              <p:tags r:id="rId2"/>
-            </p:custDataLst>
-          </p:nvPr>
-        </p:nvPicPr>
-        <p:blipFill>
-          <a:blip r:embed="rId7" cstate="print"/>
-          <a:srcRect t="209"/>
-          <a:stretch>
-            <a:fillRect/>
-          </a:stretch>
-        </p:blipFill>
-        <p:spPr bwMode="auto">
-          <a:xfrm>
-            <a:off x="762000" y="1380744"/>
-            <a:ext cx="2057400" cy="4362831"/>
-          </a:xfrm>
-          <a:prstGeom prst="rect">
-            <a:avLst/>
-          </a:prstGeom>
-          <a:ln>
-            <a:solidFill>
-              <a:schemeClr val="bg1">
-                <a:lumMod val="65000"/>
-              </a:schemeClr>
-            </a:solidFill>
-          </a:ln>
-          <a:effectLst/>
-        </p:spPr>
-      </p:pic>
-      <p:pic>
-        <p:nvPicPr>
-          <p:cNvPr id="14" name="Picture 4"/>
-          <p:cNvPicPr>
-            <a:picLocks noChangeAspect="1" noChangeArrowheads="1"/>
-          </p:cNvPicPr>
-          <p:nvPr>
-            <p:custDataLst>
-              <p:tags r:id="rId3"/>
-            </p:custDataLst>
-          </p:nvPr>
-        </p:nvPicPr>
-        <p:blipFill>
-          <a:blip r:embed="rId8" cstate="print"/>
-          <a:srcRect t="172"/>
-          <a:stretch>
-            <a:fillRect/>
-          </a:stretch>
-        </p:blipFill>
-        <p:spPr bwMode="auto">
-          <a:xfrm>
-            <a:off x="3276600" y="923544"/>
-            <a:ext cx="2333625" cy="5296281"/>
-          </a:xfrm>
-          <a:prstGeom prst="rect">
-            <a:avLst/>
-          </a:prstGeom>
-          <a:ln>
-            <a:solidFill>
-              <a:schemeClr val="bg1">
-                <a:lumMod val="65000"/>
-              </a:schemeClr>
-            </a:solidFill>
-          </a:ln>
-          <a:effectLst/>
-        </p:spPr>
-      </p:pic>
-      <p:pic>
-        <p:nvPicPr>
-          <p:cNvPr id="15" name="Picture 1"/>
-          <p:cNvPicPr>
-            <a:picLocks noChangeAspect="1" noChangeArrowheads="1"/>
-          </p:cNvPicPr>
-          <p:nvPr>
-            <p:custDataLst>
-              <p:tags r:id="rId4"/>
-            </p:custDataLst>
-          </p:nvPr>
-        </p:nvPicPr>
-        <p:blipFill>
-          <a:blip r:embed="rId9" cstate="print"/>
-          <a:srcRect t="161" b="161"/>
-          <a:stretch>
-            <a:fillRect/>
-          </a:stretch>
-        </p:blipFill>
-        <p:spPr bwMode="auto">
-          <a:xfrm>
-            <a:off x="6019800" y="542544"/>
-            <a:ext cx="2305050" cy="5658627"/>
-          </a:xfrm>
-          <a:prstGeom prst="rect">
-            <a:avLst/>
-          </a:prstGeom>
-          <a:ln>
-            <a:solidFill>
-              <a:schemeClr val="bg1">
-                <a:lumMod val="65000"/>
-              </a:schemeClr>
-            </a:solidFill>
-          </a:ln>
-          <a:effectLst/>
-        </p:spPr>
-      </p:pic>
-      <p:sp>
-        <p:nvSpPr>
-          <p:cNvPr id="20" name="Rectangle 19"/>
-          <p:cNvSpPr/>
-          <p:nvPr/>
-        </p:nvSpPr>
-        <p:spPr>
-          <a:xfrm>
-            <a:off x="3276600" y="914400"/>
-            <a:ext cx="2331720" cy="5321808"/>
-          </a:xfrm>
-          <a:prstGeom prst="rect">
-            <a:avLst/>
-          </a:prstGeom>
-          <a:noFill/>
-          <a:ln w="50800">
-            <a:solidFill>
-              <a:srgbClr val="FFFF00"/>
-            </a:solidFill>
-          </a:ln>
-        </p:spPr>
-        <p:style>
-          <a:lnRef idx="2">
-            <a:schemeClr val="accent1">
-              <a:shade val="50000"/>
-            </a:schemeClr>
-          </a:lnRef>
-          <a:fillRef idx="1">
-            <a:schemeClr val="accent1"/>
-          </a:fillRef>
-          <a:effectRef idx="0">
-            <a:schemeClr val="accent1"/>
-          </a:effectRef>
-          <a:fontRef idx="minor">
-            <a:schemeClr val="lt1"/>
-          </a:fontRef>
-        </p:style>
-        <p:txBody>
-          <a:bodyPr rtlCol="0" anchor="ctr"/>
-          <a:lstStyle/>
-          <a:p>
-            <a:pPr algn="ctr"/>
-            <a:endParaRPr lang="en-US"/>
+              <a:t>MCSDK Top Level Directory Folders</a:t>
+            </a:r>
+            <a:r>
+              <a:rPr lang="en-US" sz="3600" dirty="0" smtClean="0"/>
+              <a:t/>
+            </a:r>
+            <a:br>
+              <a:rPr lang="en-US" sz="3600" dirty="0" smtClean="0"/>
+            </a:br>
+            <a:r>
+              <a:rPr lang="en-US" sz="3600" dirty="0" smtClean="0"/>
+              <a:t>We will show the following in Windows Explorer</a:t>
+            </a:r>
+            <a:endParaRPr lang="en-US" dirty="0" smtClean="0"/>
           </a:p>
         </p:txBody>
       </p:sp>
       <p:sp>
         <p:nvSpPr>
-          <p:cNvPr id="21" name="Rectangle 20"/>
-          <p:cNvSpPr/>
-          <p:nvPr/>
+          <p:cNvPr id="9" name="Content Placeholder 8"/>
+          <p:cNvSpPr>
+            <a:spLocks noGrp="1"/>
+          </p:cNvSpPr>
+          <p:nvPr>
+            <p:ph idx="1"/>
+          </p:nvPr>
         </p:nvSpPr>
-        <p:spPr>
-          <a:xfrm>
-            <a:off x="6019800" y="533400"/>
-            <a:ext cx="2304288" cy="5660136"/>
-          </a:xfrm>
-          <a:prstGeom prst="rect">
-            <a:avLst/>
-          </a:prstGeom>
-          <a:noFill/>
-          <a:ln w="50800">
-            <a:solidFill>
-              <a:srgbClr val="FFFF00"/>
-            </a:solidFill>
-          </a:ln>
-        </p:spPr>
-        <p:style>
-          <a:lnRef idx="2">
-            <a:schemeClr val="accent1">
-              <a:shade val="50000"/>
-            </a:schemeClr>
-          </a:lnRef>
-          <a:fillRef idx="1">
-            <a:schemeClr val="accent1"/>
-          </a:fillRef>
-          <a:effectRef idx="0">
-            <a:schemeClr val="accent1"/>
-          </a:effectRef>
-          <a:fontRef idx="minor">
-            <a:schemeClr val="lt1"/>
-          </a:fontRef>
-        </p:style>
+        <p:spPr/>
         <p:txBody>
-          <a:bodyPr rtlCol="0" anchor="ctr"/>
+          <a:bodyPr>
+            <a:normAutofit fontScale="92500" lnSpcReduction="20000"/>
+          </a:bodyPr>
           <a:lstStyle/>
           <a:p>
-            <a:pPr algn="ctr"/>
-            <a:endParaRPr lang="en-US"/>
-          </a:p>
-        </p:txBody>
-      </p:sp>
-      <p:sp>
-        <p:nvSpPr>
-          <p:cNvPr id="22" name="Rectangle 21"/>
-          <p:cNvSpPr/>
-          <p:nvPr/>
-        </p:nvSpPr>
-        <p:spPr>
-          <a:xfrm>
-            <a:off x="762000" y="1371600"/>
-            <a:ext cx="2057400" cy="4370832"/>
-          </a:xfrm>
-          <a:prstGeom prst="rect">
-            <a:avLst/>
-          </a:prstGeom>
-          <a:noFill/>
-          <a:ln w="50800">
-            <a:solidFill>
-              <a:srgbClr val="FFFF00"/>
-            </a:solidFill>
-          </a:ln>
-        </p:spPr>
-        <p:style>
-          <a:lnRef idx="2">
-            <a:schemeClr val="accent1">
-              <a:shade val="50000"/>
-            </a:schemeClr>
-          </a:lnRef>
-          <a:fillRef idx="1">
-            <a:schemeClr val="accent1"/>
-          </a:fillRef>
-          <a:effectRef idx="0">
-            <a:schemeClr val="accent1"/>
-          </a:effectRef>
-          <a:fontRef idx="minor">
-            <a:schemeClr val="lt1"/>
-          </a:fontRef>
-        </p:style>
-        <p:txBody>
-          <a:bodyPr rtlCol="0" anchor="ctr"/>
-          <a:lstStyle/>
-          <a:p>
-            <a:pPr algn="ctr"/>
-            <a:endParaRPr lang="en-US"/>
+            <a:r>
+              <a:rPr lang="en-US" dirty="0" smtClean="0"/>
+              <a:t>Mcsdk</a:t>
+            </a:r>
+          </a:p>
+          <a:p>
+            <a:r>
+              <a:rPr lang="en-US" dirty="0" smtClean="0"/>
+              <a:t>Pdk</a:t>
+            </a:r>
+          </a:p>
+          <a:p>
+            <a:r>
+              <a:rPr lang="en-US" dirty="0" smtClean="0"/>
+              <a:t>Edma</a:t>
+            </a:r>
+          </a:p>
+          <a:p>
+            <a:r>
+              <a:rPr lang="en-US" dirty="0" smtClean="0"/>
+              <a:t>Bios</a:t>
+            </a:r>
+          </a:p>
+          <a:p>
+            <a:r>
+              <a:rPr lang="en-US" dirty="0" smtClean="0"/>
+              <a:t>DSPLIB</a:t>
+            </a:r>
+          </a:p>
+          <a:p>
+            <a:r>
+              <a:rPr lang="en-US" dirty="0" err="1" smtClean="0"/>
+              <a:t>Imaglib</a:t>
+            </a:r>
+            <a:endParaRPr lang="en-US" dirty="0" smtClean="0"/>
+          </a:p>
+          <a:p>
+            <a:r>
+              <a:rPr lang="en-US" dirty="0" err="1" smtClean="0"/>
+              <a:t>Mathlib</a:t>
+            </a:r>
+            <a:endParaRPr lang="en-US" dirty="0" smtClean="0"/>
+          </a:p>
+          <a:p>
+            <a:r>
+              <a:rPr lang="en-US" dirty="0" smtClean="0"/>
+              <a:t>IPC</a:t>
+            </a:r>
+          </a:p>
+          <a:p>
+            <a:r>
+              <a:rPr lang="en-US" dirty="0" smtClean="0"/>
+              <a:t>NDK</a:t>
+            </a:r>
+            <a:endParaRPr lang="en-US" dirty="0"/>
           </a:p>
         </p:txBody>
       </p:sp>
@@ -16072,250 +15789,9 @@
   <p:timing>
     <p:tnLst>
       <p:par>
-        <p:cTn id="1" dur="indefinite" restart="never" nodeType="tmRoot">
-          <p:childTnLst>
-            <p:seq concurrent="1" nextAc="seek">
-              <p:cTn id="2" dur="indefinite" nodeType="mainSeq">
-                <p:childTnLst>
-                  <p:par>
-                    <p:cTn id="3" fill="hold">
-                      <p:stCondLst>
-                        <p:cond delay="indefinite"/>
-                      </p:stCondLst>
-                      <p:childTnLst>
-                        <p:par>
-                          <p:cTn id="4" fill="hold">
-                            <p:stCondLst>
-                              <p:cond delay="0"/>
-                            </p:stCondLst>
-                            <p:childTnLst>
-                              <p:par>
-                                <p:cTn id="5" presetID="10" presetClass="entr" presetSubtype="0" fill="hold" grpId="0" nodeType="clickEffect">
-                                  <p:stCondLst>
-                                    <p:cond delay="0"/>
-                                  </p:stCondLst>
-                                  <p:childTnLst>
-                                    <p:set>
-                                      <p:cBhvr>
-                                        <p:cTn id="6" dur="1" fill="hold">
-                                          <p:stCondLst>
-                                            <p:cond delay="0"/>
-                                          </p:stCondLst>
-                                        </p:cTn>
-                                        <p:tgtEl>
-                                          <p:spTgt spid="20"/>
-                                        </p:tgtEl>
-                                        <p:attrNameLst>
-                                          <p:attrName>style.visibility</p:attrName>
-                                        </p:attrNameLst>
-                                      </p:cBhvr>
-                                      <p:to>
-                                        <p:strVal val="visible"/>
-                                      </p:to>
-                                    </p:set>
-                                    <p:animEffect transition="in" filter="fade">
-                                      <p:cBhvr>
-                                        <p:cTn id="7" dur="2000"/>
-                                        <p:tgtEl>
-                                          <p:spTgt spid="20"/>
-                                        </p:tgtEl>
-                                      </p:cBhvr>
-                                    </p:animEffect>
-                                  </p:childTnLst>
-                                </p:cTn>
-                              </p:par>
-                              <p:par>
-                                <p:cTn id="8" presetID="10" presetClass="entr" presetSubtype="0" fill="hold" grpId="0" nodeType="withEffect">
-                                  <p:stCondLst>
-                                    <p:cond delay="0"/>
-                                  </p:stCondLst>
-                                  <p:childTnLst>
-                                    <p:set>
-                                      <p:cBhvr>
-                                        <p:cTn id="9" dur="1" fill="hold">
-                                          <p:stCondLst>
-                                            <p:cond delay="0"/>
-                                          </p:stCondLst>
-                                        </p:cTn>
-                                        <p:tgtEl>
-                                          <p:spTgt spid="21"/>
-                                        </p:tgtEl>
-                                        <p:attrNameLst>
-                                          <p:attrName>style.visibility</p:attrName>
-                                        </p:attrNameLst>
-                                      </p:cBhvr>
-                                      <p:to>
-                                        <p:strVal val="visible"/>
-                                      </p:to>
-                                    </p:set>
-                                    <p:animEffect transition="in" filter="fade">
-                                      <p:cBhvr>
-                                        <p:cTn id="10" dur="2000"/>
-                                        <p:tgtEl>
-                                          <p:spTgt spid="21"/>
-                                        </p:tgtEl>
-                                      </p:cBhvr>
-                                    </p:animEffect>
-                                  </p:childTnLst>
-                                </p:cTn>
-                              </p:par>
-                            </p:childTnLst>
-                          </p:cTn>
-                        </p:par>
-                      </p:childTnLst>
-                    </p:cTn>
-                  </p:par>
-                  <p:par>
-                    <p:cTn id="11" fill="hold">
-                      <p:stCondLst>
-                        <p:cond delay="indefinite"/>
-                      </p:stCondLst>
-                      <p:childTnLst>
-                        <p:par>
-                          <p:cTn id="12" fill="hold">
-                            <p:stCondLst>
-                              <p:cond delay="0"/>
-                            </p:stCondLst>
-                            <p:childTnLst>
-                              <p:par>
-                                <p:cTn id="13" presetID="10" presetClass="entr" presetSubtype="0" fill="hold" grpId="0" nodeType="clickEffect">
-                                  <p:stCondLst>
-                                    <p:cond delay="0"/>
-                                  </p:stCondLst>
-                                  <p:childTnLst>
-                                    <p:set>
-                                      <p:cBhvr>
-                                        <p:cTn id="14" dur="1" fill="hold">
-                                          <p:stCondLst>
-                                            <p:cond delay="0"/>
-                                          </p:stCondLst>
-                                        </p:cTn>
-                                        <p:tgtEl>
-                                          <p:spTgt spid="22"/>
-                                        </p:tgtEl>
-                                        <p:attrNameLst>
-                                          <p:attrName>style.visibility</p:attrName>
-                                        </p:attrNameLst>
-                                      </p:cBhvr>
-                                      <p:to>
-                                        <p:strVal val="visible"/>
-                                      </p:to>
-                                    </p:set>
-                                    <p:animEffect transition="in" filter="fade">
-                                      <p:cBhvr>
-                                        <p:cTn id="15" dur="2000"/>
-                                        <p:tgtEl>
-                                          <p:spTgt spid="22"/>
-                                        </p:tgtEl>
-                                      </p:cBhvr>
-                                    </p:animEffect>
-                                  </p:childTnLst>
-                                </p:cTn>
-                              </p:par>
-                              <p:par>
-                                <p:cTn id="16" presetID="10" presetClass="exit" presetSubtype="0" fill="hold" grpId="1" nodeType="withEffect">
-                                  <p:stCondLst>
-                                    <p:cond delay="0"/>
-                                  </p:stCondLst>
-                                  <p:childTnLst>
-                                    <p:animEffect transition="out" filter="fade">
-                                      <p:cBhvr>
-                                        <p:cTn id="17" dur="2000"/>
-                                        <p:tgtEl>
-                                          <p:spTgt spid="20"/>
-                                        </p:tgtEl>
-                                      </p:cBhvr>
-                                    </p:animEffect>
-                                    <p:set>
-                                      <p:cBhvr>
-                                        <p:cTn id="18" dur="1" fill="hold">
-                                          <p:stCondLst>
-                                            <p:cond delay="1999"/>
-                                          </p:stCondLst>
-                                        </p:cTn>
-                                        <p:tgtEl>
-                                          <p:spTgt spid="20"/>
-                                        </p:tgtEl>
-                                        <p:attrNameLst>
-                                          <p:attrName>style.visibility</p:attrName>
-                                        </p:attrNameLst>
-                                      </p:cBhvr>
-                                      <p:to>
-                                        <p:strVal val="hidden"/>
-                                      </p:to>
-                                    </p:set>
-                                  </p:childTnLst>
-                                </p:cTn>
-                              </p:par>
-                              <p:par>
-                                <p:cTn id="19" presetID="10" presetClass="exit" presetSubtype="0" fill="hold" grpId="1" nodeType="withEffect">
-                                  <p:stCondLst>
-                                    <p:cond delay="0"/>
-                                  </p:stCondLst>
-                                  <p:childTnLst>
-                                    <p:animEffect transition="out" filter="fade">
-                                      <p:cBhvr>
-                                        <p:cTn id="20" dur="2000"/>
-                                        <p:tgtEl>
-                                          <p:spTgt spid="21"/>
-                                        </p:tgtEl>
-                                      </p:cBhvr>
-                                    </p:animEffect>
-                                    <p:set>
-                                      <p:cBhvr>
-                                        <p:cTn id="21" dur="1" fill="hold">
-                                          <p:stCondLst>
-                                            <p:cond delay="1999"/>
-                                          </p:stCondLst>
-                                        </p:cTn>
-                                        <p:tgtEl>
-                                          <p:spTgt spid="21"/>
-                                        </p:tgtEl>
-                                        <p:attrNameLst>
-                                          <p:attrName>style.visibility</p:attrName>
-                                        </p:attrNameLst>
-                                      </p:cBhvr>
-                                      <p:to>
-                                        <p:strVal val="hidden"/>
-                                      </p:to>
-                                    </p:set>
-                                  </p:childTnLst>
-                                </p:cTn>
-                              </p:par>
-                            </p:childTnLst>
-                          </p:cTn>
-                        </p:par>
-                      </p:childTnLst>
-                    </p:cTn>
-                  </p:par>
-                </p:childTnLst>
-              </p:cTn>
-              <p:prevCondLst>
-                <p:cond evt="onPrev" delay="0">
-                  <p:tgtEl>
-                    <p:sldTgt/>
-                  </p:tgtEl>
-                </p:cond>
-              </p:prevCondLst>
-              <p:nextCondLst>
-                <p:cond evt="onNext" delay="0">
-                  <p:tgtEl>
-                    <p:sldTgt/>
-                  </p:tgtEl>
-                </p:cond>
-              </p:nextCondLst>
-            </p:seq>
-          </p:childTnLst>
-        </p:cTn>
+        <p:cTn id="1" dur="indefinite" restart="never" nodeType="tmRoot"/>
       </p:par>
     </p:tnLst>
-    <p:bldLst>
-      <p:bldP spid="20" grpId="0" animBg="1"/>
-      <p:bldP spid="20" grpId="1" animBg="1"/>
-      <p:bldP spid="21" grpId="0" animBg="1"/>
-      <p:bldP spid="21" grpId="1" animBg="1"/>
-      <p:bldP spid="22" grpId="0" animBg="1"/>
-    </p:bldLst>
   </p:timing>
 </p:sld>
 </file>
@@ -16339,281 +15815,128 @@
       </p:grpSpPr>
       <p:sp>
         <p:nvSpPr>
-          <p:cNvPr id="25601" name="Rectangle 2"/>
+          <p:cNvPr id="48130" name="Title 1"/>
           <p:cNvSpPr>
-            <a:spLocks noGrp="1" noChangeArrowheads="1"/>
+            <a:spLocks noGrp="1"/>
           </p:cNvSpPr>
           <p:nvPr>
-            <p:ph type="title"/>
+            <p:ph type="title" idx="4294967295"/>
           </p:nvPr>
         </p:nvSpPr>
-        <p:spPr>
-          <a:xfrm>
-            <a:off x="152400" y="76200"/>
-            <a:ext cx="7467600" cy="609600"/>
-          </a:xfrm>
-        </p:spPr>
+        <p:spPr/>
         <p:txBody>
-          <a:bodyPr>
-            <a:normAutofit fontScale="90000"/>
-          </a:bodyPr>
+          <a:bodyPr/>
           <a:lstStyle/>
           <a:p>
-            <a:pPr algn="l" eaLnBrk="1" hangingPunct="1"/>
-            <a:r>
-              <a:rPr lang="en-US" sz="3600" dirty="0" smtClean="0"/>
-              <a:t>Directory Structure EDMA, Bios, libraries</a:t>
-            </a:r>
-            <a:endParaRPr lang="en-US" dirty="0" smtClean="0"/>
-          </a:p>
-        </p:txBody>
-      </p:sp>
-      <p:pic>
-        <p:nvPicPr>
-          <p:cNvPr id="13" name="Picture 3"/>
-          <p:cNvPicPr>
-            <a:picLocks noChangeAspect="1" noChangeArrowheads="1"/>
-          </p:cNvPicPr>
-          <p:nvPr>
-            <p:custDataLst>
-              <p:tags r:id="rId2"/>
-            </p:custDataLst>
-          </p:nvPr>
-        </p:nvPicPr>
-        <p:blipFill>
-          <a:blip r:embed="rId7" cstate="print"/>
-          <a:srcRect t="209"/>
-          <a:stretch>
-            <a:fillRect/>
-          </a:stretch>
-        </p:blipFill>
-        <p:spPr bwMode="auto">
-          <a:xfrm>
-            <a:off x="762000" y="1380744"/>
-            <a:ext cx="2057400" cy="4362831"/>
-          </a:xfrm>
-          <a:prstGeom prst="rect">
-            <a:avLst/>
-          </a:prstGeom>
-          <a:ln>
-            <a:solidFill>
-              <a:schemeClr val="bg1">
-                <a:lumMod val="65000"/>
-              </a:schemeClr>
-            </a:solidFill>
-          </a:ln>
-          <a:effectLst/>
-        </p:spPr>
-      </p:pic>
-      <p:pic>
-        <p:nvPicPr>
-          <p:cNvPr id="14" name="Picture 4"/>
-          <p:cNvPicPr>
-            <a:picLocks noChangeAspect="1" noChangeArrowheads="1"/>
-          </p:cNvPicPr>
-          <p:nvPr>
-            <p:custDataLst>
-              <p:tags r:id="rId3"/>
-            </p:custDataLst>
-          </p:nvPr>
-        </p:nvPicPr>
-        <p:blipFill>
-          <a:blip r:embed="rId8" cstate="print"/>
-          <a:srcRect t="172"/>
-          <a:stretch>
-            <a:fillRect/>
-          </a:stretch>
-        </p:blipFill>
-        <p:spPr bwMode="auto">
-          <a:xfrm>
-            <a:off x="3276600" y="923544"/>
-            <a:ext cx="2333625" cy="5296281"/>
-          </a:xfrm>
-          <a:prstGeom prst="rect">
-            <a:avLst/>
-          </a:prstGeom>
-          <a:ln>
-            <a:solidFill>
-              <a:schemeClr val="bg1">
-                <a:lumMod val="65000"/>
-              </a:schemeClr>
-            </a:solidFill>
-          </a:ln>
-          <a:effectLst/>
-        </p:spPr>
-      </p:pic>
-      <p:pic>
-        <p:nvPicPr>
-          <p:cNvPr id="15" name="Picture 1"/>
-          <p:cNvPicPr>
-            <a:picLocks noChangeAspect="1" noChangeArrowheads="1"/>
-          </p:cNvPicPr>
-          <p:nvPr>
-            <p:custDataLst>
-              <p:tags r:id="rId4"/>
-            </p:custDataLst>
-          </p:nvPr>
-        </p:nvPicPr>
-        <p:blipFill>
-          <a:blip r:embed="rId9" cstate="print"/>
-          <a:srcRect t="161" b="161"/>
-          <a:stretch>
-            <a:fillRect/>
-          </a:stretch>
-        </p:blipFill>
-        <p:spPr bwMode="auto">
-          <a:xfrm>
-            <a:off x="6019800" y="542544"/>
-            <a:ext cx="2305050" cy="5658627"/>
-          </a:xfrm>
-          <a:prstGeom prst="rect">
-            <a:avLst/>
-          </a:prstGeom>
-          <a:ln>
-            <a:solidFill>
-              <a:schemeClr val="bg1">
-                <a:lumMod val="65000"/>
-              </a:schemeClr>
-            </a:solidFill>
-          </a:ln>
-          <a:effectLst/>
-        </p:spPr>
-      </p:pic>
-      <p:sp>
-        <p:nvSpPr>
-          <p:cNvPr id="20" name="Rectangle 19"/>
-          <p:cNvSpPr/>
-          <p:nvPr/>
-        </p:nvSpPr>
-        <p:spPr>
-          <a:xfrm>
-            <a:off x="3276600" y="914400"/>
-            <a:ext cx="2331720" cy="5321808"/>
-          </a:xfrm>
-          <a:prstGeom prst="rect">
-            <a:avLst/>
-          </a:prstGeom>
-          <a:noFill/>
-          <a:ln w="50800">
-            <a:solidFill>
-              <a:srgbClr val="FFFF00"/>
-            </a:solidFill>
-          </a:ln>
-        </p:spPr>
-        <p:style>
-          <a:lnRef idx="2">
-            <a:schemeClr val="accent1">
-              <a:shade val="50000"/>
-            </a:schemeClr>
-          </a:lnRef>
-          <a:fillRef idx="1">
-            <a:schemeClr val="accent1"/>
-          </a:fillRef>
-          <a:effectRef idx="0">
-            <a:schemeClr val="accent1"/>
-          </a:effectRef>
-          <a:fontRef idx="minor">
-            <a:schemeClr val="lt1"/>
-          </a:fontRef>
-        </p:style>
-        <p:txBody>
-          <a:bodyPr rtlCol="0" anchor="ctr"/>
-          <a:lstStyle/>
-          <a:p>
-            <a:pPr algn="ctr"/>
-            <a:endParaRPr lang="en-US"/>
+            <a:pPr eaLnBrk="1" hangingPunct="1"/>
+            <a:r>
+              <a:rPr lang="en-US" smtClean="0"/>
+              <a:t>For More Information</a:t>
+            </a:r>
           </a:p>
         </p:txBody>
       </p:sp>
       <p:sp>
         <p:nvSpPr>
-          <p:cNvPr id="21" name="Rectangle 20"/>
-          <p:cNvSpPr/>
-          <p:nvPr/>
+          <p:cNvPr id="48131" name="Content Placeholder 2"/>
+          <p:cNvSpPr>
+            <a:spLocks noGrp="1"/>
+          </p:cNvSpPr>
+          <p:nvPr>
+            <p:ph idx="4294967295"/>
+          </p:nvPr>
         </p:nvSpPr>
-        <p:spPr>
-          <a:xfrm>
-            <a:off x="6019800" y="533400"/>
-            <a:ext cx="2304288" cy="5660136"/>
-          </a:xfrm>
-          <a:prstGeom prst="rect">
-            <a:avLst/>
-          </a:prstGeom>
-          <a:noFill/>
-          <a:ln w="50800">
-            <a:solidFill>
-              <a:srgbClr val="FFFF00"/>
-            </a:solidFill>
-          </a:ln>
-        </p:spPr>
-        <p:style>
-          <a:lnRef idx="2">
-            <a:schemeClr val="accent1">
-              <a:shade val="50000"/>
-            </a:schemeClr>
-          </a:lnRef>
-          <a:fillRef idx="1">
-            <a:schemeClr val="accent1"/>
-          </a:fillRef>
-          <a:effectRef idx="0">
-            <a:schemeClr val="accent1"/>
-          </a:effectRef>
-          <a:fontRef idx="minor">
-            <a:schemeClr val="lt1"/>
-          </a:fontRef>
-        </p:style>
+        <p:spPr/>
         <p:txBody>
-          <a:bodyPr rtlCol="0" anchor="ctr"/>
+          <a:bodyPr>
+            <a:normAutofit/>
+          </a:bodyPr>
           <a:lstStyle/>
           <a:p>
-            <a:pPr algn="ctr"/>
-            <a:endParaRPr lang="en-US"/>
-          </a:p>
-        </p:txBody>
-      </p:sp>
-      <p:sp>
-        <p:nvSpPr>
-          <p:cNvPr id="22" name="Rectangle 21"/>
-          <p:cNvSpPr/>
-          <p:nvPr/>
-        </p:nvSpPr>
-        <p:spPr>
-          <a:xfrm>
-            <a:off x="762000" y="1371600"/>
-            <a:ext cx="2057400" cy="4370832"/>
-          </a:xfrm>
-          <a:prstGeom prst="rect">
-            <a:avLst/>
-          </a:prstGeom>
-          <a:noFill/>
-          <a:ln w="50800">
-            <a:solidFill>
-              <a:srgbClr val="FFFF00"/>
-            </a:solidFill>
-          </a:ln>
-        </p:spPr>
-        <p:style>
-          <a:lnRef idx="2">
-            <a:schemeClr val="accent1">
-              <a:shade val="50000"/>
-            </a:schemeClr>
-          </a:lnRef>
-          <a:fillRef idx="1">
-            <a:schemeClr val="accent1"/>
-          </a:fillRef>
-          <a:effectRef idx="0">
-            <a:schemeClr val="accent1"/>
-          </a:effectRef>
-          <a:fontRef idx="minor">
-            <a:schemeClr val="lt1"/>
-          </a:fontRef>
-        </p:style>
-        <p:txBody>
-          <a:bodyPr rtlCol="0" anchor="ctr"/>
-          <a:lstStyle/>
-          <a:p>
-            <a:pPr algn="ctr"/>
-            <a:endParaRPr lang="en-US"/>
+            <a:pPr eaLnBrk="1" hangingPunct="1">
+              <a:lnSpc>
+                <a:spcPct val="90000"/>
+              </a:lnSpc>
+            </a:pPr>
+            <a:r>
+              <a:rPr lang="en-US" dirty="0" smtClean="0"/>
+              <a:t>For more information, refer to the following KeyStone device documents:</a:t>
+            </a:r>
+          </a:p>
+          <a:p>
+            <a:pPr lvl="1">
+              <a:lnSpc>
+                <a:spcPct val="90000"/>
+              </a:lnSpc>
+            </a:pPr>
+            <a:r>
+              <a:rPr lang="en-US" dirty="0" smtClean="0"/>
+              <a:t> </a:t>
+            </a:r>
+            <a:r>
+              <a:rPr lang="en-US" dirty="0" smtClean="0">
+                <a:hlinkClick r:id="rId4"/>
+              </a:rPr>
+              <a:t>http://www.ti.com/tool/bioslinuxmcsdk</a:t>
+            </a:r>
+            <a:r>
+              <a:rPr lang="en-US" dirty="0" smtClean="0"/>
+              <a:t> </a:t>
+            </a:r>
+          </a:p>
+          <a:p>
+            <a:pPr>
+              <a:lnSpc>
+                <a:spcPct val="90000"/>
+              </a:lnSpc>
+            </a:pPr>
+            <a:r>
+              <a:rPr lang="en-US" dirty="0" smtClean="0"/>
+              <a:t>For questions regarding topics covered in this training, visit the support forums at the </a:t>
+            </a:r>
+            <a:r>
+              <a:rPr lang="en-US" dirty="0" smtClean="0">
+                <a:hlinkClick r:id="rId5"/>
+              </a:rPr>
+              <a:t>TI E2E Community</a:t>
+            </a:r>
+            <a:r>
+              <a:rPr lang="en-US" dirty="0" smtClean="0"/>
+              <a:t> website.</a:t>
+            </a:r>
+          </a:p>
+          <a:p>
+            <a:pPr>
+              <a:lnSpc>
+                <a:spcPct val="90000"/>
+              </a:lnSpc>
+            </a:pPr>
+            <a:r>
+              <a:rPr lang="en-US" dirty="0" smtClean="0"/>
+              <a:t>External download site is</a:t>
+            </a:r>
+          </a:p>
+          <a:p>
+            <a:pPr>
+              <a:lnSpc>
+                <a:spcPct val="90000"/>
+              </a:lnSpc>
+              <a:buNone/>
+            </a:pPr>
+            <a:r>
+              <a:rPr lang="en-US" sz="1600" u="sng" dirty="0" smtClean="0">
+                <a:hlinkClick r:id="rId6"/>
+              </a:rPr>
+              <a:t>http://software-dl.ti.com/sdoemb/sdoemb_public_sw/bios_mcsdk/latest/index_FDS.html</a:t>
+            </a:r>
+          </a:p>
+          <a:p>
+            <a:pPr>
+              <a:lnSpc>
+                <a:spcPct val="90000"/>
+              </a:lnSpc>
+            </a:pPr>
+            <a:endParaRPr lang="en-US" dirty="0" smtClean="0"/>
           </a:p>
         </p:txBody>
       </p:sp>
@@ -16628,806 +15951,9 @@
   <p:timing>
     <p:tnLst>
       <p:par>
-        <p:cTn id="1" dur="indefinite" restart="never" nodeType="tmRoot">
-          <p:childTnLst>
-            <p:seq concurrent="1" nextAc="seek">
-              <p:cTn id="2" dur="indefinite" nodeType="mainSeq">
-                <p:childTnLst>
-                  <p:par>
-                    <p:cTn id="3" fill="hold">
-                      <p:stCondLst>
-                        <p:cond delay="indefinite"/>
-                      </p:stCondLst>
-                      <p:childTnLst>
-                        <p:par>
-                          <p:cTn id="4" fill="hold">
-                            <p:stCondLst>
-                              <p:cond delay="0"/>
-                            </p:stCondLst>
-                            <p:childTnLst>
-                              <p:par>
-                                <p:cTn id="5" presetID="10" presetClass="entr" presetSubtype="0" fill="hold" grpId="0" nodeType="clickEffect">
-                                  <p:stCondLst>
-                                    <p:cond delay="0"/>
-                                  </p:stCondLst>
-                                  <p:childTnLst>
-                                    <p:set>
-                                      <p:cBhvr>
-                                        <p:cTn id="6" dur="1" fill="hold">
-                                          <p:stCondLst>
-                                            <p:cond delay="0"/>
-                                          </p:stCondLst>
-                                        </p:cTn>
-                                        <p:tgtEl>
-                                          <p:spTgt spid="20"/>
-                                        </p:tgtEl>
-                                        <p:attrNameLst>
-                                          <p:attrName>style.visibility</p:attrName>
-                                        </p:attrNameLst>
-                                      </p:cBhvr>
-                                      <p:to>
-                                        <p:strVal val="visible"/>
-                                      </p:to>
-                                    </p:set>
-                                    <p:animEffect transition="in" filter="fade">
-                                      <p:cBhvr>
-                                        <p:cTn id="7" dur="2000"/>
-                                        <p:tgtEl>
-                                          <p:spTgt spid="20"/>
-                                        </p:tgtEl>
-                                      </p:cBhvr>
-                                    </p:animEffect>
-                                  </p:childTnLst>
-                                </p:cTn>
-                              </p:par>
-                              <p:par>
-                                <p:cTn id="8" presetID="10" presetClass="entr" presetSubtype="0" fill="hold" grpId="0" nodeType="withEffect">
-                                  <p:stCondLst>
-                                    <p:cond delay="0"/>
-                                  </p:stCondLst>
-                                  <p:childTnLst>
-                                    <p:set>
-                                      <p:cBhvr>
-                                        <p:cTn id="9" dur="1" fill="hold">
-                                          <p:stCondLst>
-                                            <p:cond delay="0"/>
-                                          </p:stCondLst>
-                                        </p:cTn>
-                                        <p:tgtEl>
-                                          <p:spTgt spid="21"/>
-                                        </p:tgtEl>
-                                        <p:attrNameLst>
-                                          <p:attrName>style.visibility</p:attrName>
-                                        </p:attrNameLst>
-                                      </p:cBhvr>
-                                      <p:to>
-                                        <p:strVal val="visible"/>
-                                      </p:to>
-                                    </p:set>
-                                    <p:animEffect transition="in" filter="fade">
-                                      <p:cBhvr>
-                                        <p:cTn id="10" dur="2000"/>
-                                        <p:tgtEl>
-                                          <p:spTgt spid="21"/>
-                                        </p:tgtEl>
-                                      </p:cBhvr>
-                                    </p:animEffect>
-                                  </p:childTnLst>
-                                </p:cTn>
-                              </p:par>
-                            </p:childTnLst>
-                          </p:cTn>
-                        </p:par>
-                      </p:childTnLst>
-                    </p:cTn>
-                  </p:par>
-                  <p:par>
-                    <p:cTn id="11" fill="hold">
-                      <p:stCondLst>
-                        <p:cond delay="indefinite"/>
-                      </p:stCondLst>
-                      <p:childTnLst>
-                        <p:par>
-                          <p:cTn id="12" fill="hold">
-                            <p:stCondLst>
-                              <p:cond delay="0"/>
-                            </p:stCondLst>
-                            <p:childTnLst>
-                              <p:par>
-                                <p:cTn id="13" presetID="10" presetClass="entr" presetSubtype="0" fill="hold" grpId="0" nodeType="clickEffect">
-                                  <p:stCondLst>
-                                    <p:cond delay="0"/>
-                                  </p:stCondLst>
-                                  <p:childTnLst>
-                                    <p:set>
-                                      <p:cBhvr>
-                                        <p:cTn id="14" dur="1" fill="hold">
-                                          <p:stCondLst>
-                                            <p:cond delay="0"/>
-                                          </p:stCondLst>
-                                        </p:cTn>
-                                        <p:tgtEl>
-                                          <p:spTgt spid="22"/>
-                                        </p:tgtEl>
-                                        <p:attrNameLst>
-                                          <p:attrName>style.visibility</p:attrName>
-                                        </p:attrNameLst>
-                                      </p:cBhvr>
-                                      <p:to>
-                                        <p:strVal val="visible"/>
-                                      </p:to>
-                                    </p:set>
-                                    <p:animEffect transition="in" filter="fade">
-                                      <p:cBhvr>
-                                        <p:cTn id="15" dur="2000"/>
-                                        <p:tgtEl>
-                                          <p:spTgt spid="22"/>
-                                        </p:tgtEl>
-                                      </p:cBhvr>
-                                    </p:animEffect>
-                                  </p:childTnLst>
-                                </p:cTn>
-                              </p:par>
-                              <p:par>
-                                <p:cTn id="16" presetID="10" presetClass="exit" presetSubtype="0" fill="hold" grpId="1" nodeType="withEffect">
-                                  <p:stCondLst>
-                                    <p:cond delay="0"/>
-                                  </p:stCondLst>
-                                  <p:childTnLst>
-                                    <p:animEffect transition="out" filter="fade">
-                                      <p:cBhvr>
-                                        <p:cTn id="17" dur="2000"/>
-                                        <p:tgtEl>
-                                          <p:spTgt spid="20"/>
-                                        </p:tgtEl>
-                                      </p:cBhvr>
-                                    </p:animEffect>
-                                    <p:set>
-                                      <p:cBhvr>
-                                        <p:cTn id="18" dur="1" fill="hold">
-                                          <p:stCondLst>
-                                            <p:cond delay="1999"/>
-                                          </p:stCondLst>
-                                        </p:cTn>
-                                        <p:tgtEl>
-                                          <p:spTgt spid="20"/>
-                                        </p:tgtEl>
-                                        <p:attrNameLst>
-                                          <p:attrName>style.visibility</p:attrName>
-                                        </p:attrNameLst>
-                                      </p:cBhvr>
-                                      <p:to>
-                                        <p:strVal val="hidden"/>
-                                      </p:to>
-                                    </p:set>
-                                  </p:childTnLst>
-                                </p:cTn>
-                              </p:par>
-                              <p:par>
-                                <p:cTn id="19" presetID="10" presetClass="exit" presetSubtype="0" fill="hold" grpId="1" nodeType="withEffect">
-                                  <p:stCondLst>
-                                    <p:cond delay="0"/>
-                                  </p:stCondLst>
-                                  <p:childTnLst>
-                                    <p:animEffect transition="out" filter="fade">
-                                      <p:cBhvr>
-                                        <p:cTn id="20" dur="2000"/>
-                                        <p:tgtEl>
-                                          <p:spTgt spid="21"/>
-                                        </p:tgtEl>
-                                      </p:cBhvr>
-                                    </p:animEffect>
-                                    <p:set>
-                                      <p:cBhvr>
-                                        <p:cTn id="21" dur="1" fill="hold">
-                                          <p:stCondLst>
-                                            <p:cond delay="1999"/>
-                                          </p:stCondLst>
-                                        </p:cTn>
-                                        <p:tgtEl>
-                                          <p:spTgt spid="21"/>
-                                        </p:tgtEl>
-                                        <p:attrNameLst>
-                                          <p:attrName>style.visibility</p:attrName>
-                                        </p:attrNameLst>
-                                      </p:cBhvr>
-                                      <p:to>
-                                        <p:strVal val="hidden"/>
-                                      </p:to>
-                                    </p:set>
-                                  </p:childTnLst>
-                                </p:cTn>
-                              </p:par>
-                            </p:childTnLst>
-                          </p:cTn>
-                        </p:par>
-                      </p:childTnLst>
-                    </p:cTn>
-                  </p:par>
-                </p:childTnLst>
-              </p:cTn>
-              <p:prevCondLst>
-                <p:cond evt="onPrev" delay="0">
-                  <p:tgtEl>
-                    <p:sldTgt/>
-                  </p:tgtEl>
-                </p:cond>
-              </p:prevCondLst>
-              <p:nextCondLst>
-                <p:cond evt="onNext" delay="0">
-                  <p:tgtEl>
-                    <p:sldTgt/>
-                  </p:tgtEl>
-                </p:cond>
-              </p:nextCondLst>
-            </p:seq>
-          </p:childTnLst>
-        </p:cTn>
+        <p:cTn id="1" dur="indefinite" restart="never" nodeType="tmRoot"/>
       </p:par>
     </p:tnLst>
-    <p:bldLst>
-      <p:bldP spid="20" grpId="0" animBg="1"/>
-      <p:bldP spid="20" grpId="1" animBg="1"/>
-      <p:bldP spid="21" grpId="0" animBg="1"/>
-      <p:bldP spid="21" grpId="1" animBg="1"/>
-      <p:bldP spid="22" grpId="0" animBg="1"/>
-    </p:bldLst>
-  </p:timing>
-</p:sld>
-</file>
-
-<file path=ppt/slides/slide18.xml><?xml version="1.0" encoding="utf-8"?>
-<p:sld xmlns:a="http://schemas.openxmlformats.org/drawingml/2006/main" xmlns:r="http://schemas.openxmlformats.org/officeDocument/2006/relationships" xmlns:p="http://schemas.openxmlformats.org/presentationml/2006/main">
-  <p:cSld>
-    <p:spTree>
-      <p:nvGrpSpPr>
-        <p:cNvPr id="1" name=""/>
-        <p:cNvGrpSpPr/>
-        <p:nvPr/>
-      </p:nvGrpSpPr>
-      <p:grpSpPr>
-        <a:xfrm>
-          <a:off x="0" y="0"/>
-          <a:ext cx="0" cy="0"/>
-          <a:chOff x="0" y="0"/>
-          <a:chExt cx="0" cy="0"/>
-        </a:xfrm>
-      </p:grpSpPr>
-      <p:sp>
-        <p:nvSpPr>
-          <p:cNvPr id="25601" name="Rectangle 2"/>
-          <p:cNvSpPr>
-            <a:spLocks noGrp="1" noChangeArrowheads="1"/>
-          </p:cNvSpPr>
-          <p:nvPr>
-            <p:ph type="title"/>
-          </p:nvPr>
-        </p:nvSpPr>
-        <p:spPr>
-          <a:xfrm>
-            <a:off x="152400" y="76200"/>
-            <a:ext cx="7467600" cy="609600"/>
-          </a:xfrm>
-        </p:spPr>
-        <p:txBody>
-          <a:bodyPr>
-            <a:normAutofit fontScale="90000"/>
-          </a:bodyPr>
-          <a:lstStyle/>
-          <a:p>
-            <a:pPr algn="l" eaLnBrk="1" hangingPunct="1"/>
-            <a:r>
-              <a:rPr lang="en-US" sz="3600" dirty="0" smtClean="0"/>
-              <a:t>Directory Structure IPC, NDK</a:t>
-            </a:r>
-            <a:endParaRPr lang="en-US" dirty="0" smtClean="0"/>
-          </a:p>
-        </p:txBody>
-      </p:sp>
-      <p:pic>
-        <p:nvPicPr>
-          <p:cNvPr id="13" name="Picture 3"/>
-          <p:cNvPicPr>
-            <a:picLocks noChangeAspect="1" noChangeArrowheads="1"/>
-          </p:cNvPicPr>
-          <p:nvPr>
-            <p:custDataLst>
-              <p:tags r:id="rId2"/>
-            </p:custDataLst>
-          </p:nvPr>
-        </p:nvPicPr>
-        <p:blipFill>
-          <a:blip r:embed="rId7" cstate="print"/>
-          <a:srcRect t="209"/>
-          <a:stretch>
-            <a:fillRect/>
-          </a:stretch>
-        </p:blipFill>
-        <p:spPr bwMode="auto">
-          <a:xfrm>
-            <a:off x="762000" y="1380744"/>
-            <a:ext cx="2057400" cy="4362831"/>
-          </a:xfrm>
-          <a:prstGeom prst="rect">
-            <a:avLst/>
-          </a:prstGeom>
-          <a:ln>
-            <a:solidFill>
-              <a:schemeClr val="bg1">
-                <a:lumMod val="65000"/>
-              </a:schemeClr>
-            </a:solidFill>
-          </a:ln>
-          <a:effectLst/>
-        </p:spPr>
-      </p:pic>
-      <p:pic>
-        <p:nvPicPr>
-          <p:cNvPr id="14" name="Picture 4"/>
-          <p:cNvPicPr>
-            <a:picLocks noChangeAspect="1" noChangeArrowheads="1"/>
-          </p:cNvPicPr>
-          <p:nvPr>
-            <p:custDataLst>
-              <p:tags r:id="rId3"/>
-            </p:custDataLst>
-          </p:nvPr>
-        </p:nvPicPr>
-        <p:blipFill>
-          <a:blip r:embed="rId8" cstate="print"/>
-          <a:srcRect t="172"/>
-          <a:stretch>
-            <a:fillRect/>
-          </a:stretch>
-        </p:blipFill>
-        <p:spPr bwMode="auto">
-          <a:xfrm>
-            <a:off x="3276600" y="923544"/>
-            <a:ext cx="2333625" cy="5296281"/>
-          </a:xfrm>
-          <a:prstGeom prst="rect">
-            <a:avLst/>
-          </a:prstGeom>
-          <a:ln>
-            <a:solidFill>
-              <a:schemeClr val="bg1">
-                <a:lumMod val="65000"/>
-              </a:schemeClr>
-            </a:solidFill>
-          </a:ln>
-          <a:effectLst/>
-        </p:spPr>
-      </p:pic>
-      <p:pic>
-        <p:nvPicPr>
-          <p:cNvPr id="15" name="Picture 1"/>
-          <p:cNvPicPr>
-            <a:picLocks noChangeAspect="1" noChangeArrowheads="1"/>
-          </p:cNvPicPr>
-          <p:nvPr>
-            <p:custDataLst>
-              <p:tags r:id="rId4"/>
-            </p:custDataLst>
-          </p:nvPr>
-        </p:nvPicPr>
-        <p:blipFill>
-          <a:blip r:embed="rId9" cstate="print"/>
-          <a:srcRect t="161" b="161"/>
-          <a:stretch>
-            <a:fillRect/>
-          </a:stretch>
-        </p:blipFill>
-        <p:spPr bwMode="auto">
-          <a:xfrm>
-            <a:off x="6019800" y="542544"/>
-            <a:ext cx="2305050" cy="5658627"/>
-          </a:xfrm>
-          <a:prstGeom prst="rect">
-            <a:avLst/>
-          </a:prstGeom>
-          <a:ln>
-            <a:solidFill>
-              <a:schemeClr val="bg1">
-                <a:lumMod val="65000"/>
-              </a:schemeClr>
-            </a:solidFill>
-          </a:ln>
-          <a:effectLst/>
-        </p:spPr>
-      </p:pic>
-      <p:sp>
-        <p:nvSpPr>
-          <p:cNvPr id="20" name="Rectangle 19"/>
-          <p:cNvSpPr/>
-          <p:nvPr/>
-        </p:nvSpPr>
-        <p:spPr>
-          <a:xfrm>
-            <a:off x="3276600" y="914400"/>
-            <a:ext cx="2331720" cy="5321808"/>
-          </a:xfrm>
-          <a:prstGeom prst="rect">
-            <a:avLst/>
-          </a:prstGeom>
-          <a:noFill/>
-          <a:ln w="50800">
-            <a:solidFill>
-              <a:srgbClr val="FFFF00"/>
-            </a:solidFill>
-          </a:ln>
-        </p:spPr>
-        <p:style>
-          <a:lnRef idx="2">
-            <a:schemeClr val="accent1">
-              <a:shade val="50000"/>
-            </a:schemeClr>
-          </a:lnRef>
-          <a:fillRef idx="1">
-            <a:schemeClr val="accent1"/>
-          </a:fillRef>
-          <a:effectRef idx="0">
-            <a:schemeClr val="accent1"/>
-          </a:effectRef>
-          <a:fontRef idx="minor">
-            <a:schemeClr val="lt1"/>
-          </a:fontRef>
-        </p:style>
-        <p:txBody>
-          <a:bodyPr rtlCol="0" anchor="ctr"/>
-          <a:lstStyle/>
-          <a:p>
-            <a:pPr algn="ctr"/>
-            <a:endParaRPr lang="en-US"/>
-          </a:p>
-        </p:txBody>
-      </p:sp>
-      <p:sp>
-        <p:nvSpPr>
-          <p:cNvPr id="21" name="Rectangle 20"/>
-          <p:cNvSpPr/>
-          <p:nvPr/>
-        </p:nvSpPr>
-        <p:spPr>
-          <a:xfrm>
-            <a:off x="6019800" y="533400"/>
-            <a:ext cx="2304288" cy="5660136"/>
-          </a:xfrm>
-          <a:prstGeom prst="rect">
-            <a:avLst/>
-          </a:prstGeom>
-          <a:noFill/>
-          <a:ln w="50800">
-            <a:solidFill>
-              <a:srgbClr val="FFFF00"/>
-            </a:solidFill>
-          </a:ln>
-        </p:spPr>
-        <p:style>
-          <a:lnRef idx="2">
-            <a:schemeClr val="accent1">
-              <a:shade val="50000"/>
-            </a:schemeClr>
-          </a:lnRef>
-          <a:fillRef idx="1">
-            <a:schemeClr val="accent1"/>
-          </a:fillRef>
-          <a:effectRef idx="0">
-            <a:schemeClr val="accent1"/>
-          </a:effectRef>
-          <a:fontRef idx="minor">
-            <a:schemeClr val="lt1"/>
-          </a:fontRef>
-        </p:style>
-        <p:txBody>
-          <a:bodyPr rtlCol="0" anchor="ctr"/>
-          <a:lstStyle/>
-          <a:p>
-            <a:pPr algn="ctr"/>
-            <a:endParaRPr lang="en-US"/>
-          </a:p>
-        </p:txBody>
-      </p:sp>
-      <p:sp>
-        <p:nvSpPr>
-          <p:cNvPr id="22" name="Rectangle 21"/>
-          <p:cNvSpPr/>
-          <p:nvPr/>
-        </p:nvSpPr>
-        <p:spPr>
-          <a:xfrm>
-            <a:off x="762000" y="1371600"/>
-            <a:ext cx="2057400" cy="4370832"/>
-          </a:xfrm>
-          <a:prstGeom prst="rect">
-            <a:avLst/>
-          </a:prstGeom>
-          <a:noFill/>
-          <a:ln w="50800">
-            <a:solidFill>
-              <a:srgbClr val="FFFF00"/>
-            </a:solidFill>
-          </a:ln>
-        </p:spPr>
-        <p:style>
-          <a:lnRef idx="2">
-            <a:schemeClr val="accent1">
-              <a:shade val="50000"/>
-            </a:schemeClr>
-          </a:lnRef>
-          <a:fillRef idx="1">
-            <a:schemeClr val="accent1"/>
-          </a:fillRef>
-          <a:effectRef idx="0">
-            <a:schemeClr val="accent1"/>
-          </a:effectRef>
-          <a:fontRef idx="minor">
-            <a:schemeClr val="lt1"/>
-          </a:fontRef>
-        </p:style>
-        <p:txBody>
-          <a:bodyPr rtlCol="0" anchor="ctr"/>
-          <a:lstStyle/>
-          <a:p>
-            <a:pPr algn="ctr"/>
-            <a:endParaRPr lang="en-US"/>
-          </a:p>
-        </p:txBody>
-      </p:sp>
-    </p:spTree>
-    <p:custDataLst>
-      <p:tags r:id="rId1"/>
-    </p:custDataLst>
-  </p:cSld>
-  <p:clrMapOvr>
-    <a:masterClrMapping/>
-  </p:clrMapOvr>
-  <p:timing>
-    <p:tnLst>
-      <p:par>
-        <p:cTn id="1" dur="indefinite" restart="never" nodeType="tmRoot">
-          <p:childTnLst>
-            <p:seq concurrent="1" nextAc="seek">
-              <p:cTn id="2" dur="indefinite" nodeType="mainSeq">
-                <p:childTnLst>
-                  <p:par>
-                    <p:cTn id="3" fill="hold">
-                      <p:stCondLst>
-                        <p:cond delay="indefinite"/>
-                      </p:stCondLst>
-                      <p:childTnLst>
-                        <p:par>
-                          <p:cTn id="4" fill="hold">
-                            <p:stCondLst>
-                              <p:cond delay="0"/>
-                            </p:stCondLst>
-                            <p:childTnLst>
-                              <p:par>
-                                <p:cTn id="5" presetID="10" presetClass="entr" presetSubtype="0" fill="hold" grpId="0" nodeType="clickEffect">
-                                  <p:stCondLst>
-                                    <p:cond delay="0"/>
-                                  </p:stCondLst>
-                                  <p:childTnLst>
-                                    <p:set>
-                                      <p:cBhvr>
-                                        <p:cTn id="6" dur="1" fill="hold">
-                                          <p:stCondLst>
-                                            <p:cond delay="0"/>
-                                          </p:stCondLst>
-                                        </p:cTn>
-                                        <p:tgtEl>
-                                          <p:spTgt spid="20"/>
-                                        </p:tgtEl>
-                                        <p:attrNameLst>
-                                          <p:attrName>style.visibility</p:attrName>
-                                        </p:attrNameLst>
-                                      </p:cBhvr>
-                                      <p:to>
-                                        <p:strVal val="visible"/>
-                                      </p:to>
-                                    </p:set>
-                                    <p:animEffect transition="in" filter="fade">
-                                      <p:cBhvr>
-                                        <p:cTn id="7" dur="2000"/>
-                                        <p:tgtEl>
-                                          <p:spTgt spid="20"/>
-                                        </p:tgtEl>
-                                      </p:cBhvr>
-                                    </p:animEffect>
-                                  </p:childTnLst>
-                                </p:cTn>
-                              </p:par>
-                              <p:par>
-                                <p:cTn id="8" presetID="10" presetClass="entr" presetSubtype="0" fill="hold" grpId="0" nodeType="withEffect">
-                                  <p:stCondLst>
-                                    <p:cond delay="0"/>
-                                  </p:stCondLst>
-                                  <p:childTnLst>
-                                    <p:set>
-                                      <p:cBhvr>
-                                        <p:cTn id="9" dur="1" fill="hold">
-                                          <p:stCondLst>
-                                            <p:cond delay="0"/>
-                                          </p:stCondLst>
-                                        </p:cTn>
-                                        <p:tgtEl>
-                                          <p:spTgt spid="21"/>
-                                        </p:tgtEl>
-                                        <p:attrNameLst>
-                                          <p:attrName>style.visibility</p:attrName>
-                                        </p:attrNameLst>
-                                      </p:cBhvr>
-                                      <p:to>
-                                        <p:strVal val="visible"/>
-                                      </p:to>
-                                    </p:set>
-                                    <p:animEffect transition="in" filter="fade">
-                                      <p:cBhvr>
-                                        <p:cTn id="10" dur="2000"/>
-                                        <p:tgtEl>
-                                          <p:spTgt spid="21"/>
-                                        </p:tgtEl>
-                                      </p:cBhvr>
-                                    </p:animEffect>
-                                  </p:childTnLst>
-                                </p:cTn>
-                              </p:par>
-                            </p:childTnLst>
-                          </p:cTn>
-                        </p:par>
-                      </p:childTnLst>
-                    </p:cTn>
-                  </p:par>
-                  <p:par>
-                    <p:cTn id="11" fill="hold">
-                      <p:stCondLst>
-                        <p:cond delay="indefinite"/>
-                      </p:stCondLst>
-                      <p:childTnLst>
-                        <p:par>
-                          <p:cTn id="12" fill="hold">
-                            <p:stCondLst>
-                              <p:cond delay="0"/>
-                            </p:stCondLst>
-                            <p:childTnLst>
-                              <p:par>
-                                <p:cTn id="13" presetID="10" presetClass="entr" presetSubtype="0" fill="hold" grpId="0" nodeType="clickEffect">
-                                  <p:stCondLst>
-                                    <p:cond delay="0"/>
-                                  </p:stCondLst>
-                                  <p:childTnLst>
-                                    <p:set>
-                                      <p:cBhvr>
-                                        <p:cTn id="14" dur="1" fill="hold">
-                                          <p:stCondLst>
-                                            <p:cond delay="0"/>
-                                          </p:stCondLst>
-                                        </p:cTn>
-                                        <p:tgtEl>
-                                          <p:spTgt spid="22"/>
-                                        </p:tgtEl>
-                                        <p:attrNameLst>
-                                          <p:attrName>style.visibility</p:attrName>
-                                        </p:attrNameLst>
-                                      </p:cBhvr>
-                                      <p:to>
-                                        <p:strVal val="visible"/>
-                                      </p:to>
-                                    </p:set>
-                                    <p:animEffect transition="in" filter="fade">
-                                      <p:cBhvr>
-                                        <p:cTn id="15" dur="2000"/>
-                                        <p:tgtEl>
-                                          <p:spTgt spid="22"/>
-                                        </p:tgtEl>
-                                      </p:cBhvr>
-                                    </p:animEffect>
-                                  </p:childTnLst>
-                                </p:cTn>
-                              </p:par>
-                              <p:par>
-                                <p:cTn id="16" presetID="10" presetClass="exit" presetSubtype="0" fill="hold" grpId="1" nodeType="withEffect">
-                                  <p:stCondLst>
-                                    <p:cond delay="0"/>
-                                  </p:stCondLst>
-                                  <p:childTnLst>
-                                    <p:animEffect transition="out" filter="fade">
-                                      <p:cBhvr>
-                                        <p:cTn id="17" dur="2000"/>
-                                        <p:tgtEl>
-                                          <p:spTgt spid="20"/>
-                                        </p:tgtEl>
-                                      </p:cBhvr>
-                                    </p:animEffect>
-                                    <p:set>
-                                      <p:cBhvr>
-                                        <p:cTn id="18" dur="1" fill="hold">
-                                          <p:stCondLst>
-                                            <p:cond delay="1999"/>
-                                          </p:stCondLst>
-                                        </p:cTn>
-                                        <p:tgtEl>
-                                          <p:spTgt spid="20"/>
-                                        </p:tgtEl>
-                                        <p:attrNameLst>
-                                          <p:attrName>style.visibility</p:attrName>
-                                        </p:attrNameLst>
-                                      </p:cBhvr>
-                                      <p:to>
-                                        <p:strVal val="hidden"/>
-                                      </p:to>
-                                    </p:set>
-                                  </p:childTnLst>
-                                </p:cTn>
-                              </p:par>
-                              <p:par>
-                                <p:cTn id="19" presetID="10" presetClass="exit" presetSubtype="0" fill="hold" grpId="1" nodeType="withEffect">
-                                  <p:stCondLst>
-                                    <p:cond delay="0"/>
-                                  </p:stCondLst>
-                                  <p:childTnLst>
-                                    <p:animEffect transition="out" filter="fade">
-                                      <p:cBhvr>
-                                        <p:cTn id="20" dur="2000"/>
-                                        <p:tgtEl>
-                                          <p:spTgt spid="21"/>
-                                        </p:tgtEl>
-                                      </p:cBhvr>
-                                    </p:animEffect>
-                                    <p:set>
-                                      <p:cBhvr>
-                                        <p:cTn id="21" dur="1" fill="hold">
-                                          <p:stCondLst>
-                                            <p:cond delay="1999"/>
-                                          </p:stCondLst>
-                                        </p:cTn>
-                                        <p:tgtEl>
-                                          <p:spTgt spid="21"/>
-                                        </p:tgtEl>
-                                        <p:attrNameLst>
-                                          <p:attrName>style.visibility</p:attrName>
-                                        </p:attrNameLst>
-                                      </p:cBhvr>
-                                      <p:to>
-                                        <p:strVal val="hidden"/>
-                                      </p:to>
-                                    </p:set>
-                                  </p:childTnLst>
-                                </p:cTn>
-                              </p:par>
-                            </p:childTnLst>
-                          </p:cTn>
-                        </p:par>
-                      </p:childTnLst>
-                    </p:cTn>
-                  </p:par>
-                </p:childTnLst>
-              </p:cTn>
-              <p:prevCondLst>
-                <p:cond evt="onPrev" delay="0">
-                  <p:tgtEl>
-                    <p:sldTgt/>
-                  </p:tgtEl>
-                </p:cond>
-              </p:prevCondLst>
-              <p:nextCondLst>
-                <p:cond evt="onNext" delay="0">
-                  <p:tgtEl>
-                    <p:sldTgt/>
-                  </p:tgtEl>
-                </p:cond>
-              </p:nextCondLst>
-            </p:seq>
-          </p:childTnLst>
-        </p:cTn>
-      </p:par>
-    </p:tnLst>
-    <p:bldLst>
-      <p:bldP spid="20" grpId="0" animBg="1"/>
-      <p:bldP spid="20" grpId="1" animBg="1"/>
-      <p:bldP spid="21" grpId="0" animBg="1"/>
-      <p:bldP spid="21" grpId="1" animBg="1"/>
-      <p:bldP spid="22" grpId="0" animBg="1"/>
-    </p:bldLst>
   </p:timing>
 </p:sld>
 </file>
@@ -17547,7 +16073,6 @@
               <a:rPr lang="en-US" dirty="0" smtClean="0"/>
               <a:t>MCSDK</a:t>
             </a:r>
-            <a:endParaRPr lang="en-US" dirty="0" smtClean="0"/>
           </a:p>
         </p:txBody>
       </p:sp>
@@ -17976,7 +16501,11 @@
           <a:p>
             <a:r>
               <a:rPr lang="en-US" sz="2400" dirty="0" smtClean="0"/>
-              <a:t>Even though KeyStone has a lot</a:t>
+              <a:t> </a:t>
+            </a:r>
+            <a:r>
+              <a:rPr lang="en-US" sz="2400" dirty="0" smtClean="0"/>
+              <a:t>KeyStone has a lot</a:t>
             </a:r>
           </a:p>
           <a:p>
@@ -20005,8 +18534,13 @@
             <a:pPr lvl="1"/>
             <a:r>
               <a:rPr lang="en-US" sz="2000" dirty="0" smtClean="0"/>
-              <a:t>Three run conditions</a:t>
-            </a:r>
+              <a:t>Three </a:t>
+            </a:r>
+            <a:r>
+              <a:rPr lang="en-US" sz="2000" dirty="0" smtClean="0"/>
+              <a:t>debug operation modes</a:t>
+            </a:r>
+            <a:endParaRPr lang="en-US" sz="2000" dirty="0" smtClean="0"/>
           </a:p>
           <a:p>
             <a:pPr lvl="1"/>
@@ -20164,7 +18698,23 @@
                   <a:srgbClr val="FF0000"/>
                 </a:solidFill>
               </a:rPr>
-              <a:t>TI solution – Multi-layers Software System </a:t>
+              <a:t>TI solution – </a:t>
+            </a:r>
+            <a:r>
+              <a:rPr lang="en-US" sz="2800" b="1" dirty="0" smtClean="0">
+                <a:solidFill>
+                  <a:srgbClr val="FF0000"/>
+                </a:solidFill>
+              </a:rPr>
+              <a:t>Multi-layered </a:t>
+            </a:r>
+            <a:r>
+              <a:rPr lang="en-US" sz="2800" b="1" dirty="0" smtClean="0">
+                <a:solidFill>
+                  <a:srgbClr val="FF0000"/>
+                </a:solidFill>
+              </a:rPr>
+              <a:t>Software System </a:t>
             </a:r>
           </a:p>
           <a:p>
@@ -20816,50 +19366,13 @@
 
 <file path=ppt/tags/tag23.xml><?xml version="1.0" encoding="utf-8"?>
 <p:tagLst xmlns:a="http://schemas.openxmlformats.org/drawingml/2006/main" xmlns:r="http://schemas.openxmlformats.org/officeDocument/2006/relationships" xmlns:p="http://schemas.openxmlformats.org/presentationml/2006/main">
-  <p:tag name="ARTICULATE_PUBLISH_MODE" val="2"/>
-</p:tagLst>
-</file>
-
-<file path=ppt/tags/tag24.xml><?xml version="1.0" encoding="utf-8"?>
-<p:tagLst xmlns:a="http://schemas.openxmlformats.org/drawingml/2006/main" xmlns:r="http://schemas.openxmlformats.org/officeDocument/2006/relationships" xmlns:p="http://schemas.openxmlformats.org/presentationml/2006/main">
-  <p:tag name="ARTICULATE_PUBLISH_MODE" val="2"/>
-</p:tagLst>
-</file>
-
-<file path=ppt/tags/tag25.xml><?xml version="1.0" encoding="utf-8"?>
-<p:tagLst xmlns:a="http://schemas.openxmlformats.org/drawingml/2006/main" xmlns:r="http://schemas.openxmlformats.org/officeDocument/2006/relationships" xmlns:p="http://schemas.openxmlformats.org/presentationml/2006/main">
-  <p:tag name="ARTICULATE_PUBLISH_MODE" val="2"/>
-</p:tagLst>
-</file>
-
-<file path=ppt/tags/tag26.xml><?xml version="1.0" encoding="utf-8"?>
-<p:tagLst xmlns:a="http://schemas.openxmlformats.org/drawingml/2006/main" xmlns:r="http://schemas.openxmlformats.org/officeDocument/2006/relationships" xmlns:p="http://schemas.openxmlformats.org/presentationml/2006/main">
-  <p:tag name="ARTICULATE_SLIDE_GUID" val="16975cd9-dbf0-4a87-916a-c89c201ca094"/>
-  <p:tag name="TIMELINE" val="36.13/75.73"/>
-  <p:tag name="ELAPSEDTIME" val="128.39"/>
+  <p:tag name="ELAPSEDTIME" val="11.75"/>
+  <p:tag name="ARTICULATE_SLIDE_GUID" val="92099343-b1aa-443e-940a-1720ec1a9e3b"/>
   <p:tag name="ARTICULATE_SLIDE_PAUSE" val="0"/>
-  <p:tag name="ARTICULATE_NAV_LEVEL" val="2"/>
+  <p:tag name="ARTICULATE_NAV_LEVEL" val="1"/>
   <p:tag name="ARTICULATE_PLAYLIST_ID" val="-1"/>
   <p:tag name="ARTICULATE_LOCK_SLIDE" val="0"/>
-  <p:tag name="ARTICULATE_SLIDE_NAV" val="11"/>
-</p:tagLst>
-</file>
-
-<file path=ppt/tags/tag27.xml><?xml version="1.0" encoding="utf-8"?>
-<p:tagLst xmlns:a="http://schemas.openxmlformats.org/drawingml/2006/main" xmlns:r="http://schemas.openxmlformats.org/officeDocument/2006/relationships" xmlns:p="http://schemas.openxmlformats.org/presentationml/2006/main">
-  <p:tag name="ARTICULATE_PUBLISH_MODE" val="2"/>
-</p:tagLst>
-</file>
-
-<file path=ppt/tags/tag28.xml><?xml version="1.0" encoding="utf-8"?>
-<p:tagLst xmlns:a="http://schemas.openxmlformats.org/drawingml/2006/main" xmlns:r="http://schemas.openxmlformats.org/officeDocument/2006/relationships" xmlns:p="http://schemas.openxmlformats.org/presentationml/2006/main">
-  <p:tag name="ARTICULATE_PUBLISH_MODE" val="2"/>
-</p:tagLst>
-</file>
-
-<file path=ppt/tags/tag29.xml><?xml version="1.0" encoding="utf-8"?>
-<p:tagLst xmlns:a="http://schemas.openxmlformats.org/drawingml/2006/main" xmlns:r="http://schemas.openxmlformats.org/officeDocument/2006/relationships" xmlns:p="http://schemas.openxmlformats.org/presentationml/2006/main">
-  <p:tag name="ARTICULATE_PUBLISH_MODE" val="2"/>
+  <p:tag name="ARTICULATE_SLIDE_NAV" val="34"/>
 </p:tagLst>
 </file>
 
@@ -20874,37 +19387,6 @@
   <p:tag name="ARTICULATE_VIEW_MODE" val="2"/>
   <p:tag name="ARTICULATE_LOCK_SLIDE" val="0"/>
   <p:tag name="ARTICULATE_SLIDE_NAV" val="9"/>
-</p:tagLst>
-</file>
-
-<file path=ppt/tags/tag30.xml><?xml version="1.0" encoding="utf-8"?>
-<p:tagLst xmlns:a="http://schemas.openxmlformats.org/drawingml/2006/main" xmlns:r="http://schemas.openxmlformats.org/officeDocument/2006/relationships" xmlns:p="http://schemas.openxmlformats.org/presentationml/2006/main">
-  <p:tag name="ARTICULATE_SLIDE_GUID" val="16975cd9-dbf0-4a87-916a-c89c201ca094"/>
-  <p:tag name="TIMELINE" val="36.13/75.73"/>
-  <p:tag name="ELAPSEDTIME" val="128.39"/>
-  <p:tag name="ARTICULATE_SLIDE_PAUSE" val="0"/>
-  <p:tag name="ARTICULATE_NAV_LEVEL" val="2"/>
-  <p:tag name="ARTICULATE_PLAYLIST_ID" val="-1"/>
-  <p:tag name="ARTICULATE_LOCK_SLIDE" val="0"/>
-  <p:tag name="ARTICULATE_SLIDE_NAV" val="11"/>
-</p:tagLst>
-</file>
-
-<file path=ppt/tags/tag31.xml><?xml version="1.0" encoding="utf-8"?>
-<p:tagLst xmlns:a="http://schemas.openxmlformats.org/drawingml/2006/main" xmlns:r="http://schemas.openxmlformats.org/officeDocument/2006/relationships" xmlns:p="http://schemas.openxmlformats.org/presentationml/2006/main">
-  <p:tag name="ARTICULATE_PUBLISH_MODE" val="2"/>
-</p:tagLst>
-</file>
-
-<file path=ppt/tags/tag32.xml><?xml version="1.0" encoding="utf-8"?>
-<p:tagLst xmlns:a="http://schemas.openxmlformats.org/drawingml/2006/main" xmlns:r="http://schemas.openxmlformats.org/officeDocument/2006/relationships" xmlns:p="http://schemas.openxmlformats.org/presentationml/2006/main">
-  <p:tag name="ARTICULATE_PUBLISH_MODE" val="2"/>
-</p:tagLst>
-</file>
-
-<file path=ppt/tags/tag33.xml><?xml version="1.0" encoding="utf-8"?>
-<p:tagLst xmlns:a="http://schemas.openxmlformats.org/drawingml/2006/main" xmlns:r="http://schemas.openxmlformats.org/officeDocument/2006/relationships" xmlns:p="http://schemas.openxmlformats.org/presentationml/2006/main">
-  <p:tag name="ARTICULATE_PUBLISH_MODE" val="2"/>
 </p:tagLst>
 </file>
 
